--- a/Presentation_projetV2.pptx
+++ b/Presentation_projetV2.pptx
@@ -5470,14 +5470,14 @@
           <a:p>
             <a:pPr algn="ctr"/>
             <a:r>
-              <a:rPr lang="fr-FR" sz="1400" dirty="0" smtClean="0">
+              <a:rPr lang="fr-FR" sz="1400" dirty="0">
                 <a:solidFill>
                   <a:schemeClr val="bg1">
                     <a:lumMod val="50000"/>
                   </a:schemeClr>
                 </a:solidFill>
               </a:rPr>
-              <a:t>Contexte</a:t>
+              <a:t>Introduction</a:t>
             </a:r>
             <a:endParaRPr lang="fr-FR" sz="1400" dirty="0">
               <a:solidFill>
@@ -5618,14 +5618,14 @@
           <a:p>
             <a:pPr algn="ctr"/>
             <a:r>
-              <a:rPr lang="fr-FR" sz="1400" dirty="0" smtClean="0">
+              <a:rPr lang="fr-FR" sz="1400" dirty="0">
                 <a:solidFill>
                   <a:schemeClr val="bg1">
                     <a:lumMod val="50000"/>
                   </a:schemeClr>
                 </a:solidFill>
               </a:rPr>
-              <a:t>Gestion de projet</a:t>
+              <a:t>Démonstration</a:t>
             </a:r>
             <a:endParaRPr lang="fr-FR" sz="1400" dirty="0">
               <a:solidFill>
@@ -5820,14 +5820,14 @@
           <a:p>
             <a:pPr algn="ctr"/>
             <a:r>
-              <a:rPr lang="fr-FR" sz="1400" dirty="0" smtClean="0">
+              <a:rPr lang="fr-FR" sz="1400" dirty="0">
                 <a:solidFill>
                   <a:schemeClr val="bg1">
                     <a:lumMod val="50000"/>
                   </a:schemeClr>
                 </a:solidFill>
               </a:rPr>
-              <a:t>Contexte</a:t>
+              <a:t>Introduction</a:t>
             </a:r>
             <a:endParaRPr lang="fr-FR" sz="1400" dirty="0">
               <a:solidFill>
@@ -6596,14 +6596,14 @@
           <a:p>
             <a:pPr algn="ctr"/>
             <a:r>
-              <a:rPr lang="fr-FR" sz="1400" dirty="0" smtClean="0">
+              <a:rPr lang="fr-FR" sz="1400" dirty="0">
                 <a:solidFill>
                   <a:schemeClr val="bg1">
                     <a:lumMod val="50000"/>
                   </a:schemeClr>
                 </a:solidFill>
               </a:rPr>
-              <a:t>Gestion de projet</a:t>
+              <a:t>Démonstration</a:t>
             </a:r>
             <a:endParaRPr lang="fr-FR" sz="1400" dirty="0">
               <a:solidFill>
@@ -6730,14 +6730,14 @@
           <a:p>
             <a:pPr algn="ctr"/>
             <a:r>
-              <a:rPr lang="fr-FR" sz="1400" dirty="0" smtClean="0">
+              <a:rPr lang="fr-FR" sz="1400" dirty="0">
                 <a:solidFill>
                   <a:schemeClr val="bg1">
                     <a:lumMod val="50000"/>
                   </a:schemeClr>
                 </a:solidFill>
               </a:rPr>
-              <a:t>Contexte</a:t>
+              <a:t>Introduction</a:t>
             </a:r>
             <a:endParaRPr lang="fr-FR" sz="1400" dirty="0">
               <a:solidFill>
@@ -6832,7 +6832,6 @@
               <a:rPr lang="fr-FR" sz="2000" dirty="0" smtClean="0"/>
               <a:t>Difficultés rencontrés</a:t>
             </a:r>
-            <a:endParaRPr lang="fr-FR" sz="2000" dirty="0" smtClean="0"/>
           </a:p>
         </p:txBody>
       </p:sp>
@@ -6936,14 +6935,14 @@
           <a:p>
             <a:pPr algn="ctr"/>
             <a:r>
-              <a:rPr lang="fr-FR" sz="1400" dirty="0" smtClean="0">
+              <a:rPr lang="fr-FR" sz="1400" dirty="0">
                 <a:solidFill>
                   <a:schemeClr val="bg1">
                     <a:lumMod val="50000"/>
                   </a:schemeClr>
                 </a:solidFill>
               </a:rPr>
-              <a:t>Gestion de projet</a:t>
+              <a:t>Démonstration</a:t>
             </a:r>
             <a:endParaRPr lang="fr-FR" sz="1400" dirty="0">
               <a:solidFill>
@@ -7278,7 +7277,7 @@
         <p:spPr>
           <a:xfrm>
             <a:off x="4139952" y="1923678"/>
-            <a:ext cx="4680520" cy="646331"/>
+            <a:ext cx="4680520" cy="923330"/>
           </a:xfrm>
           <a:prstGeom prst="rect">
             <a:avLst/>
@@ -7297,7 +7296,7 @@
             </a:pPr>
             <a:r>
               <a:rPr lang="fr-FR" dirty="0" smtClean="0"/>
-              <a:t>Contraintes de temps</a:t>
+              <a:t>Corrections des erreurs</a:t>
             </a:r>
           </a:p>
           <a:p>
@@ -7307,12 +7306,48 @@
             </a:pPr>
             <a:r>
               <a:rPr lang="fr-FR" dirty="0" smtClean="0"/>
-              <a:t>Grève étudiante</a:t>
-            </a:r>
+              <a:t>Notifications</a:t>
+            </a:r>
+          </a:p>
+          <a:p>
+            <a:pPr marL="285750" indent="-285750">
+              <a:buFont typeface="Wingdings" panose="05000000000000000000" pitchFamily="2" charset="2"/>
+              <a:buChar char="§"/>
+            </a:pPr>
             <a:endParaRPr lang="fr-FR" dirty="0"/>
           </a:p>
         </p:txBody>
       </p:sp>
+      <p:pic>
+        <p:nvPicPr>
+          <p:cNvPr id="2" name="Image 1"/>
+          <p:cNvPicPr>
+            <a:picLocks noChangeAspect="1"/>
+          </p:cNvPicPr>
+          <p:nvPr/>
+        </p:nvPicPr>
+        <p:blipFill>
+          <a:blip r:embed="rId2" cstate="print">
+            <a:extLst>
+              <a:ext uri="{28A0092B-C50C-407E-A947-70E740481C1C}">
+                <a14:useLocalDpi xmlns:a14="http://schemas.microsoft.com/office/drawing/2010/main" val="0"/>
+              </a:ext>
+            </a:extLst>
+          </a:blip>
+          <a:stretch>
+            <a:fillRect/>
+          </a:stretch>
+        </p:blipFill>
+        <p:spPr>
+          <a:xfrm>
+            <a:off x="6944444" y="2847008"/>
+            <a:ext cx="1851670" cy="1851670"/>
+          </a:xfrm>
+          <a:prstGeom prst="rect">
+            <a:avLst/>
+          </a:prstGeom>
+        </p:spPr>
+      </p:pic>
     </p:spTree>
     <p:extLst>
       <p:ext uri="{BB962C8B-B14F-4D97-AF65-F5344CB8AC3E}">
@@ -7565,8 +7600,13 @@
             </a:pPr>
             <a:r>
               <a:rPr lang="fr-FR" sz="2400" dirty="0" smtClean="0"/>
-              <a:t>1. Gestion de projet</a:t>
-            </a:r>
+              <a:t>1. </a:t>
+            </a:r>
+            <a:r>
+              <a:rPr lang="fr-FR" sz="2400" dirty="0" smtClean="0"/>
+              <a:t>Démonstration</a:t>
+            </a:r>
+            <a:endParaRPr lang="fr-FR" sz="2400" dirty="0" smtClean="0"/>
           </a:p>
           <a:p>
             <a:pPr>
@@ -7587,8 +7627,13 @@
             </a:pPr>
             <a:r>
               <a:rPr lang="fr-FR" sz="2400" dirty="0" smtClean="0"/>
-              <a:t>3. Description fonctionnelle</a:t>
-            </a:r>
+              <a:t>3. </a:t>
+            </a:r>
+            <a:r>
+              <a:rPr lang="fr-FR" sz="2400" dirty="0" smtClean="0"/>
+              <a:t>Gestion de projet</a:t>
+            </a:r>
+            <a:endParaRPr lang="fr-FR" sz="2400" dirty="0" smtClean="0"/>
           </a:p>
           <a:p>
             <a:pPr>
@@ -7934,6 +7979,60 @@
           </a:p>
         </p:txBody>
       </p:sp>
+      <p:sp>
+        <p:nvSpPr>
+          <p:cNvPr id="2" name="ZoneTexte 1"/>
+          <p:cNvSpPr txBox="1"/>
+          <p:nvPr/>
+        </p:nvSpPr>
+        <p:spPr>
+          <a:xfrm>
+            <a:off x="136525" y="1059582"/>
+            <a:ext cx="1460656" cy="369332"/>
+          </a:xfrm>
+          <a:prstGeom prst="rect">
+            <a:avLst/>
+          </a:prstGeom>
+          <a:noFill/>
+        </p:spPr>
+        <p:txBody>
+          <a:bodyPr wrap="none" rtlCol="0">
+            <a:spAutoFit/>
+          </a:bodyPr>
+          <a:lstStyle/>
+          <a:p>
+            <a:pPr marL="285750" indent="-285750">
+              <a:buFont typeface="Wingdings" panose="05000000000000000000" pitchFamily="2" charset="2"/>
+              <a:buChar char="Ø"/>
+            </a:pPr>
+            <a:r>
+              <a:rPr lang="fr-FR" b="1" dirty="0">
+                <a:solidFill>
+                  <a:schemeClr val="tx1">
+                    <a:lumMod val="75000"/>
+                    <a:lumOff val="25000"/>
+                  </a:schemeClr>
+                </a:solidFill>
+                <a:latin typeface="Arial" pitchFamily="34" charset="0"/>
+                <a:ea typeface="+mj-ea"/>
+                <a:cs typeface="Arial" pitchFamily="34" charset="0"/>
+              </a:rPr>
+              <a:t>Contexte</a:t>
+            </a:r>
+            <a:endParaRPr lang="fr-FR" b="1" dirty="0">
+              <a:solidFill>
+                <a:schemeClr val="tx1">
+                  <a:lumMod val="75000"/>
+                  <a:lumOff val="25000"/>
+                </a:schemeClr>
+              </a:solidFill>
+              <a:latin typeface="Arial" pitchFamily="34" charset="0"/>
+              <a:ea typeface="+mj-ea"/>
+              <a:cs typeface="Arial" pitchFamily="34" charset="0"/>
+            </a:endParaRPr>
+          </a:p>
+        </p:txBody>
+      </p:sp>
     </p:spTree>
     <p:extLst>
       <p:ext uri="{BB962C8B-B14F-4D97-AF65-F5344CB8AC3E}">
@@ -8002,8 +8101,8 @@
               <a:buChar char="Ø"/>
             </a:pPr>
             <a:r>
-              <a:rPr lang="fr-FR" sz="1800" dirty="0" smtClean="0"/>
-              <a:t>Pages principales du site:</a:t>
+              <a:rPr lang="fr-FR" sz="1800" dirty="0"/>
+              <a:t>Résultat de l’enquête</a:t>
             </a:r>
           </a:p>
         </p:txBody>
@@ -8052,10 +8151,7 @@
                 <a:spcPts val="1200"/>
               </a:spcBef>
             </a:pPr>
-            <a:r>
-              <a:rPr lang="fr-FR" sz="1600" i="1" u="sng" dirty="0" smtClean="0"/>
-              <a:t>Résultat de l’enquête</a:t>
-            </a:r>
+            <a:endParaRPr lang="fr-FR" sz="1600" i="1" u="sng" dirty="0" smtClean="0"/>
           </a:p>
         </p:txBody>
       </p:sp>
@@ -8241,8 +8337,8 @@
               <a:buChar char="Ø"/>
             </a:pPr>
             <a:r>
-              <a:rPr lang="fr-FR" sz="1800" dirty="0" smtClean="0"/>
-              <a:t>Pages principales du site:</a:t>
+              <a:rPr lang="fr-FR" sz="1800" dirty="0"/>
+              <a:t>Liens utiles</a:t>
             </a:r>
           </a:p>
         </p:txBody>
@@ -8291,10 +8387,7 @@
                 <a:spcPts val="1200"/>
               </a:spcBef>
             </a:pPr>
-            <a:r>
-              <a:rPr lang="fr-FR" sz="1600" i="1" u="sng" dirty="0" smtClean="0"/>
-              <a:t>Liens utiles</a:t>
-            </a:r>
+            <a:endParaRPr lang="fr-FR" sz="1600" i="1" u="sng" dirty="0" smtClean="0"/>
           </a:p>
         </p:txBody>
       </p:sp>
@@ -8480,8 +8573,8 @@
               <a:buChar char="Ø"/>
             </a:pPr>
             <a:r>
-              <a:rPr lang="fr-FR" sz="1800" dirty="0" smtClean="0"/>
-              <a:t>Pages principales du site:</a:t>
+              <a:rPr lang="fr-FR" sz="1800" dirty="0"/>
+              <a:t>Statistiques</a:t>
             </a:r>
           </a:p>
         </p:txBody>
@@ -8530,14 +8623,7 @@
                 <a:spcPts val="1200"/>
               </a:spcBef>
             </a:pPr>
-            <a:r>
-              <a:rPr lang="fr-FR" sz="1600" i="1" u="sng" dirty="0"/>
-              <a:t>S</a:t>
-            </a:r>
-            <a:r>
-              <a:rPr lang="fr-FR" sz="1600" i="1" u="sng" dirty="0" smtClean="0"/>
-              <a:t>tatistiques</a:t>
-            </a:r>
+            <a:endParaRPr lang="fr-FR" sz="1600" i="1" u="sng" dirty="0" smtClean="0"/>
           </a:p>
         </p:txBody>
       </p:sp>
@@ -8777,7 +8863,7 @@
                   </a:schemeClr>
                 </a:solidFill>
               </a:rPr>
-              <a:t>Contexte</a:t>
+              <a:t>Introduction</a:t>
             </a:r>
             <a:endParaRPr lang="fr-FR" sz="1400" dirty="0">
               <a:solidFill>
@@ -8835,7 +8921,6 @@
               <a:rPr lang="fr-FR" sz="1400" b="1" dirty="0" smtClean="0"/>
               <a:t>Démonstration</a:t>
             </a:r>
-            <a:endParaRPr lang="fr-FR" sz="1400" b="1" dirty="0" smtClean="0"/>
           </a:p>
         </p:txBody>
       </p:sp>
@@ -8870,13 +8955,79 @@
               <a:buChar char="Ø"/>
             </a:pPr>
             <a:r>
-              <a:rPr lang="fr-FR" sz="2000" dirty="0" smtClean="0"/>
+              <a:rPr lang="fr-FR" sz="1800" dirty="0"/>
               <a:t>Navigation sur le site en vidéo</a:t>
             </a:r>
-            <a:endParaRPr lang="fr-FR" sz="2000" dirty="0" smtClean="0"/>
-          </a:p>
-        </p:txBody>
-      </p:sp>
+          </a:p>
+        </p:txBody>
+      </p:sp>
+      <p:pic>
+        <p:nvPicPr>
+          <p:cNvPr id="2" name="Image 1"/>
+          <p:cNvPicPr>
+            <a:picLocks noChangeAspect="1"/>
+          </p:cNvPicPr>
+          <p:nvPr/>
+        </p:nvPicPr>
+        <p:blipFill rotWithShape="1">
+          <a:blip r:embed="rId3"/>
+          <a:srcRect r="1622"/>
+          <a:stretch/>
+        </p:blipFill>
+        <p:spPr>
+          <a:xfrm>
+            <a:off x="3131840" y="2211710"/>
+            <a:ext cx="3960440" cy="2264483"/>
+          </a:xfrm>
+          <a:prstGeom prst="rect">
+            <a:avLst/>
+          </a:prstGeom>
+          <a:ln>
+            <a:noFill/>
+          </a:ln>
+          <a:effectLst>
+            <a:reflection blurRad="12700" stA="30000" endPos="30000" dist="5000" dir="5400000" sy="-100000" algn="bl" rotWithShape="0"/>
+          </a:effectLst>
+          <a:scene3d>
+            <a:camera prst="perspectiveContrastingLeftFacing"/>
+            <a:lightRig rig="threePt" dir="t">
+              <a:rot lat="0" lon="0" rev="2700000"/>
+            </a:lightRig>
+          </a:scene3d>
+          <a:sp3d>
+            <a:bevelT w="63500" h="50800"/>
+          </a:sp3d>
+        </p:spPr>
+      </p:pic>
+      <p:pic>
+        <p:nvPicPr>
+          <p:cNvPr id="4" name="Image 3"/>
+          <p:cNvPicPr>
+            <a:picLocks noChangeAspect="1"/>
+          </p:cNvPicPr>
+          <p:nvPr/>
+        </p:nvPicPr>
+        <p:blipFill rotWithShape="1">
+          <a:blip r:embed="rId4">
+            <a:extLst>
+              <a:ext uri="{28A0092B-C50C-407E-A947-70E740481C1C}">
+                <a14:useLocalDpi xmlns:a14="http://schemas.microsoft.com/office/drawing/2010/main" val="0"/>
+              </a:ext>
+            </a:extLst>
+          </a:blip>
+          <a:srcRect l="27676" t="15312" r="41562" b="12501"/>
+          <a:stretch/>
+        </p:blipFill>
+        <p:spPr>
+          <a:xfrm>
+            <a:off x="2411760" y="3343951"/>
+            <a:ext cx="1200133" cy="1584176"/>
+          </a:xfrm>
+          <a:prstGeom prst="rect">
+            <a:avLst/>
+          </a:prstGeom>
+        </p:spPr>
+      </p:pic>
     </p:spTree>
     <p:extLst>
       <p:ext uri="{BB962C8B-B14F-4D97-AF65-F5344CB8AC3E}">
@@ -8999,7 +9150,7 @@
                   </a:schemeClr>
                 </a:solidFill>
               </a:rPr>
-              <a:t>Contexte</a:t>
+              <a:t>Introduction</a:t>
             </a:r>
             <a:endParaRPr lang="fr-FR" sz="1400" dirty="0">
               <a:solidFill>
@@ -9140,14 +9291,14 @@
           <a:p>
             <a:pPr algn="ctr"/>
             <a:r>
-              <a:rPr lang="fr-FR" sz="1400" dirty="0" smtClean="0">
+              <a:rPr lang="fr-FR" sz="1400" dirty="0">
                 <a:solidFill>
                   <a:schemeClr val="bg1">
                     <a:lumMod val="50000"/>
                   </a:schemeClr>
                 </a:solidFill>
               </a:rPr>
-              <a:t>Gestion de projet</a:t>
+              <a:t>Démonstration</a:t>
             </a:r>
             <a:endParaRPr lang="fr-FR" sz="1400" dirty="0">
               <a:solidFill>
@@ -9270,14 +9421,14 @@
           <a:p>
             <a:pPr algn="ctr"/>
             <a:r>
-              <a:rPr lang="fr-FR" sz="1400" dirty="0" smtClean="0">
+              <a:rPr lang="fr-FR" sz="1400" dirty="0">
                 <a:solidFill>
                   <a:schemeClr val="bg1">
                     <a:lumMod val="50000"/>
                   </a:schemeClr>
                 </a:solidFill>
               </a:rPr>
-              <a:t>Contexte</a:t>
+              <a:t>Introduction</a:t>
             </a:r>
             <a:endParaRPr lang="fr-FR" sz="1400" dirty="0">
               <a:solidFill>
@@ -9418,14 +9569,14 @@
           <a:p>
             <a:pPr algn="ctr"/>
             <a:r>
-              <a:rPr lang="fr-FR" sz="1400" dirty="0" smtClean="0">
+              <a:rPr lang="fr-FR" sz="1400" dirty="0">
                 <a:solidFill>
                   <a:schemeClr val="bg1">
                     <a:lumMod val="50000"/>
                   </a:schemeClr>
                 </a:solidFill>
               </a:rPr>
-              <a:t>Gestion de projet</a:t>
+              <a:t>Démonstration</a:t>
             </a:r>
             <a:endParaRPr lang="fr-FR" sz="1400" dirty="0">
               <a:solidFill>

--- a/Presentation_projetV2.pptx
+++ b/Presentation_projetV2.pptx
@@ -16,9 +16,9 @@
     <p:sldId id="273" r:id="rId7"/>
     <p:sldId id="274" r:id="rId8"/>
     <p:sldId id="275" r:id="rId9"/>
-    <p:sldId id="263" r:id="rId10"/>
-    <p:sldId id="264" r:id="rId11"/>
-    <p:sldId id="265" r:id="rId12"/>
+    <p:sldId id="265" r:id="rId10"/>
+    <p:sldId id="263" r:id="rId11"/>
+    <p:sldId id="264" r:id="rId12"/>
     <p:sldId id="261" r:id="rId13"/>
     <p:sldId id="276" r:id="rId14"/>
     <p:sldId id="259" r:id="rId15"/>
@@ -900,7 +900,7 @@
     </p:spTree>
     <p:extLst>
       <p:ext uri="{BB962C8B-B14F-4D97-AF65-F5344CB8AC3E}">
-        <p14:creationId xmlns:p14="http://schemas.microsoft.com/office/powerpoint/2010/main" val="1305952010"/>
+        <p14:creationId xmlns:p14="http://schemas.microsoft.com/office/powerpoint/2010/main" val="2922674703"/>
       </p:ext>
     </p:extLst>
   </p:cSld>
@@ -984,7 +984,7 @@
     </p:spTree>
     <p:extLst>
       <p:ext uri="{BB962C8B-B14F-4D97-AF65-F5344CB8AC3E}">
-        <p14:creationId xmlns:p14="http://schemas.microsoft.com/office/powerpoint/2010/main" val="2744669980"/>
+        <p14:creationId xmlns:p14="http://schemas.microsoft.com/office/powerpoint/2010/main" val="1305952010"/>
       </p:ext>
     </p:extLst>
   </p:cSld>
@@ -1068,7 +1068,7 @@
     </p:spTree>
     <p:extLst>
       <p:ext uri="{BB962C8B-B14F-4D97-AF65-F5344CB8AC3E}">
-        <p14:creationId xmlns:p14="http://schemas.microsoft.com/office/powerpoint/2010/main" val="2922674703"/>
+        <p14:creationId xmlns:p14="http://schemas.microsoft.com/office/powerpoint/2010/main" val="2744669980"/>
       </p:ext>
     </p:extLst>
   </p:cSld>
@@ -5479,13 +5479,6 @@
               </a:rPr>
               <a:t>Introduction</a:t>
             </a:r>
-            <a:endParaRPr lang="fr-FR" sz="1400" dirty="0">
-              <a:solidFill>
-                <a:schemeClr val="bg1">
-                  <a:lumMod val="50000"/>
-                </a:schemeClr>
-              </a:solidFill>
-            </a:endParaRPr>
           </a:p>
         </p:txBody>
       </p:sp>
@@ -5550,8 +5543,8 @@
         </p:nvSpPr>
         <p:spPr>
           <a:xfrm>
-            <a:off x="179512" y="1131590"/>
-            <a:ext cx="5776464" cy="433557"/>
+            <a:off x="379712" y="1199716"/>
+            <a:ext cx="3960440" cy="433557"/>
           </a:xfrm>
         </p:spPr>
         <p:txBody>
@@ -5570,7 +5563,7 @@
             </a:pPr>
             <a:r>
               <a:rPr lang="fr-FR" sz="2000" dirty="0" smtClean="0"/>
-              <a:t>Architecture de la base de données</a:t>
+              <a:t>Architecture du site</a:t>
             </a:r>
           </a:p>
         </p:txBody>
@@ -5627,16 +5620,33 @@
               </a:rPr>
               <a:t>Démonstration</a:t>
             </a:r>
-            <a:endParaRPr lang="fr-FR" sz="1400" dirty="0">
-              <a:solidFill>
-                <a:schemeClr val="bg1">
-                  <a:lumMod val="50000"/>
-                </a:schemeClr>
-              </a:solidFill>
-            </a:endParaRPr>
-          </a:p>
-        </p:txBody>
-      </p:sp>
+          </a:p>
+        </p:txBody>
+      </p:sp>
+      <p:pic>
+        <p:nvPicPr>
+          <p:cNvPr id="9" name="Image 8" descr="schema(vfinal).png"/>
+          <p:cNvPicPr>
+            <a:picLocks noChangeAspect="1"/>
+          </p:cNvPicPr>
+          <p:nvPr/>
+        </p:nvPicPr>
+        <p:blipFill>
+          <a:blip r:embed="rId3" cstate="print"/>
+          <a:stretch>
+            <a:fillRect/>
+          </a:stretch>
+        </p:blipFill>
+        <p:spPr>
+          <a:xfrm>
+            <a:off x="379712" y="1633273"/>
+            <a:ext cx="8280920" cy="3032897"/>
+          </a:xfrm>
+          <a:prstGeom prst="rect">
+            <a:avLst/>
+          </a:prstGeom>
+        </p:spPr>
+      </p:pic>
       <p:pic>
         <p:nvPicPr>
           <p:cNvPr id="10" name="Image 9"/>
@@ -5644,7 +5654,7 @@
           <p:nvPr/>
         </p:nvPicPr>
         <p:blipFill rotWithShape="1">
-          <a:blip r:embed="rId3" cstate="print">
+          <a:blip r:embed="rId4" cstate="print">
             <a:extLst>
               <a:ext uri="{28A0092B-C50C-407E-A947-70E740481C1C}">
                 <a14:useLocalDpi xmlns:a14="http://schemas.microsoft.com/office/drawing/2010/main" val="0"/>
@@ -5672,43 +5682,50 @@
           </a:extLst>
         </p:spPr>
       </p:pic>
-      <p:pic>
-        <p:nvPicPr>
-          <p:cNvPr id="12" name="Image 11" descr="https://raw.githubusercontent.com/zeknoun/yourjob1/master/MCD.png"/>
-          <p:cNvPicPr/>
+      <p:sp>
+        <p:nvSpPr>
+          <p:cNvPr id="2" name="ZoneTexte 1"/>
+          <p:cNvSpPr txBox="1"/>
           <p:nvPr/>
-        </p:nvPicPr>
-        <p:blipFill>
-          <a:blip r:embed="rId4" cstate="print">
-            <a:extLst>
-              <a:ext uri="{28A0092B-C50C-407E-A947-70E740481C1C}">
-                <a14:useLocalDpi xmlns:a14="http://schemas.microsoft.com/office/drawing/2010/main" val="0"/>
-              </a:ext>
-            </a:extLst>
-          </a:blip>
-          <a:srcRect/>
-          <a:stretch>
-            <a:fillRect/>
-          </a:stretch>
-        </p:blipFill>
-        <p:spPr bwMode="auto">
-          <a:xfrm>
-            <a:off x="1475657" y="1707654"/>
-            <a:ext cx="5904655" cy="3096344"/>
+        </p:nvSpPr>
+        <p:spPr>
+          <a:xfrm>
+            <a:off x="5508104" y="1621825"/>
+            <a:ext cx="771907" cy="192360"/>
           </a:xfrm>
           <a:prstGeom prst="rect">
             <a:avLst/>
           </a:prstGeom>
-          <a:noFill/>
-          <a:ln>
-            <a:noFill/>
-          </a:ln>
+          <a:solidFill>
+            <a:schemeClr val="bg1"/>
+          </a:solidFill>
         </p:spPr>
-      </p:pic>
+        <p:txBody>
+          <a:bodyPr wrap="square" rtlCol="0">
+            <a:spAutoFit/>
+          </a:bodyPr>
+          <a:lstStyle/>
+          <a:p>
+            <a:r>
+              <a:rPr lang="fr-FR" sz="650" dirty="0" smtClean="0">
+                <a:solidFill>
+                  <a:srgbClr val="0070C0"/>
+                </a:solidFill>
+              </a:rPr>
+              <a:t>Page d’accueil</a:t>
+            </a:r>
+            <a:endParaRPr lang="fr-FR" sz="650" dirty="0">
+              <a:solidFill>
+                <a:srgbClr val="0070C0"/>
+              </a:solidFill>
+            </a:endParaRPr>
+          </a:p>
+        </p:txBody>
+      </p:sp>
     </p:spTree>
     <p:extLst>
       <p:ext uri="{BB962C8B-B14F-4D97-AF65-F5344CB8AC3E}">
-        <p14:creationId xmlns:p14="http://schemas.microsoft.com/office/powerpoint/2010/main" val="472442115"/>
+        <p14:creationId xmlns:p14="http://schemas.microsoft.com/office/powerpoint/2010/main" val="2897457935"/>
       </p:ext>
     </p:extLst>
   </p:cSld>
@@ -5829,13 +5846,6 @@
               </a:rPr>
               <a:t>Introduction</a:t>
             </a:r>
-            <a:endParaRPr lang="fr-FR" sz="1400" dirty="0">
-              <a:solidFill>
-                <a:schemeClr val="bg1">
-                  <a:lumMod val="50000"/>
-                </a:schemeClr>
-              </a:solidFill>
-            </a:endParaRPr>
           </a:p>
         </p:txBody>
       </p:sp>
@@ -6605,13 +6615,6 @@
               </a:rPr>
               <a:t>Démonstration</a:t>
             </a:r>
-            <a:endParaRPr lang="fr-FR" sz="1400" dirty="0">
-              <a:solidFill>
-                <a:schemeClr val="bg1">
-                  <a:lumMod val="50000"/>
-                </a:schemeClr>
-              </a:solidFill>
-            </a:endParaRPr>
           </a:p>
         </p:txBody>
       </p:sp>
@@ -6739,13 +6742,6 @@
               </a:rPr>
               <a:t>Introduction</a:t>
             </a:r>
-            <a:endParaRPr lang="fr-FR" sz="1400" dirty="0">
-              <a:solidFill>
-                <a:schemeClr val="bg1">
-                  <a:lumMod val="50000"/>
-                </a:schemeClr>
-              </a:solidFill>
-            </a:endParaRPr>
           </a:p>
         </p:txBody>
       </p:sp>
@@ -6944,13 +6940,6 @@
               </a:rPr>
               <a:t>Démonstration</a:t>
             </a:r>
-            <a:endParaRPr lang="fr-FR" sz="1400" dirty="0">
-              <a:solidFill>
-                <a:schemeClr val="bg1">
-                  <a:lumMod val="50000"/>
-                </a:schemeClr>
-              </a:solidFill>
-            </a:endParaRPr>
           </a:p>
         </p:txBody>
       </p:sp>
@@ -7277,7 +7266,7 @@
         <p:spPr>
           <a:xfrm>
             <a:off x="4139952" y="1923678"/>
-            <a:ext cx="4680520" cy="923330"/>
+            <a:ext cx="4680520" cy="1200329"/>
           </a:xfrm>
           <a:prstGeom prst="rect">
             <a:avLst/>
@@ -7308,6 +7297,17 @@
               <a:rPr lang="fr-FR" dirty="0" smtClean="0"/>
               <a:t>Notifications</a:t>
             </a:r>
+          </a:p>
+          <a:p>
+            <a:pPr marL="285750" indent="-285750">
+              <a:buFont typeface="Wingdings" panose="05000000000000000000" pitchFamily="2" charset="2"/>
+              <a:buChar char="§"/>
+            </a:pPr>
+            <a:r>
+              <a:rPr lang="fr-FR" dirty="0" smtClean="0"/>
+              <a:t>Vérification des filières entrées</a:t>
+            </a:r>
+            <a:endParaRPr lang="fr-FR" dirty="0" smtClean="0"/>
           </a:p>
           <a:p>
             <a:pPr marL="285750" indent="-285750">
@@ -7600,13 +7600,8 @@
             </a:pPr>
             <a:r>
               <a:rPr lang="fr-FR" sz="2400" dirty="0" smtClean="0"/>
-              <a:t>1. </a:t>
-            </a:r>
-            <a:r>
-              <a:rPr lang="fr-FR" sz="2400" dirty="0" smtClean="0"/>
-              <a:t>Démonstration</a:t>
-            </a:r>
-            <a:endParaRPr lang="fr-FR" sz="2400" dirty="0" smtClean="0"/>
+              <a:t>1. Démonstration</a:t>
+            </a:r>
           </a:p>
           <a:p>
             <a:pPr>
@@ -7627,13 +7622,8 @@
             </a:pPr>
             <a:r>
               <a:rPr lang="fr-FR" sz="2400" dirty="0" smtClean="0"/>
-              <a:t>3. </a:t>
-            </a:r>
-            <a:r>
-              <a:rPr lang="fr-FR" sz="2400" dirty="0" smtClean="0"/>
-              <a:t>Gestion de projet</a:t>
-            </a:r>
-            <a:endParaRPr lang="fr-FR" sz="2400" dirty="0" smtClean="0"/>
+              <a:t>3. Gestion de projet</a:t>
+            </a:r>
           </a:p>
           <a:p>
             <a:pPr>
@@ -8019,17 +8009,6 @@
               </a:rPr>
               <a:t>Contexte</a:t>
             </a:r>
-            <a:endParaRPr lang="fr-FR" b="1" dirty="0">
-              <a:solidFill>
-                <a:schemeClr val="tx1">
-                  <a:lumMod val="75000"/>
-                  <a:lumOff val="25000"/>
-                </a:schemeClr>
-              </a:solidFill>
-              <a:latin typeface="Arial" pitchFamily="34" charset="0"/>
-              <a:ea typeface="+mj-ea"/>
-              <a:cs typeface="Arial" pitchFamily="34" charset="0"/>
-            </a:endParaRPr>
           </a:p>
         </p:txBody>
       </p:sp>
@@ -9065,41 +9044,6 @@
           <a:chExt cx="0" cy="0"/>
         </a:xfrm>
       </p:grpSpPr>
-      <p:pic>
-        <p:nvPicPr>
-          <p:cNvPr id="10" name="Image 9"/>
-          <p:cNvPicPr/>
-          <p:nvPr/>
-        </p:nvPicPr>
-        <p:blipFill rotWithShape="1">
-          <a:blip r:embed="rId3" cstate="print">
-            <a:extLst>
-              <a:ext uri="{28A0092B-C50C-407E-A947-70E740481C1C}">
-                <a14:useLocalDpi xmlns:a14="http://schemas.microsoft.com/office/drawing/2010/main" val="0"/>
-              </a:ext>
-            </a:extLst>
-          </a:blip>
-          <a:srcRect l="18383" t="5982" r="20520" b="6530"/>
-          <a:stretch/>
-        </p:blipFill>
-        <p:spPr bwMode="auto">
-          <a:xfrm>
-            <a:off x="8212799" y="4582898"/>
-            <a:ext cx="899592" cy="560602"/>
-          </a:xfrm>
-          <a:prstGeom prst="rect">
-            <a:avLst/>
-          </a:prstGeom>
-          <a:ln>
-            <a:noFill/>
-          </a:ln>
-          <a:extLst>
-            <a:ext uri="{53640926-AAD7-44D8-BBD7-CCE9431645EC}">
-              <a14:shadowObscured xmlns:a14="http://schemas.microsoft.com/office/drawing/2010/main"/>
-            </a:ext>
-          </a:extLst>
-        </p:spPr>
-      </p:pic>
       <p:sp>
         <p:nvSpPr>
           <p:cNvPr id="5" name="Pentagone 4"/>
@@ -9143,7 +9087,7 @@
           <a:p>
             <a:pPr algn="ctr"/>
             <a:r>
-              <a:rPr lang="fr-FR" sz="1400" dirty="0" smtClean="0">
+              <a:rPr lang="fr-FR" sz="1400" dirty="0">
                 <a:solidFill>
                   <a:schemeClr val="bg1">
                     <a:lumMod val="50000"/>
@@ -9152,13 +9096,6 @@
               </a:rPr>
               <a:t>Introduction</a:t>
             </a:r>
-            <a:endParaRPr lang="fr-FR" sz="1400" dirty="0">
-              <a:solidFill>
-                <a:schemeClr val="bg1">
-                  <a:lumMod val="50000"/>
-                </a:schemeClr>
-              </a:solidFill>
-            </a:endParaRPr>
           </a:p>
         </p:txBody>
       </p:sp>
@@ -9223,8 +9160,8 @@
         </p:nvSpPr>
         <p:spPr>
           <a:xfrm>
-            <a:off x="379712" y="1199716"/>
-            <a:ext cx="3960440" cy="433557"/>
+            <a:off x="179512" y="1131590"/>
+            <a:ext cx="5776464" cy="433557"/>
           </a:xfrm>
         </p:spPr>
         <p:txBody>
@@ -9243,7 +9180,7 @@
             </a:pPr>
             <a:r>
               <a:rPr lang="fr-FR" sz="2000" dirty="0" smtClean="0"/>
-              <a:t>Technologies utilisées</a:t>
+              <a:t>Architecture de la base de données</a:t>
             </a:r>
           </a:p>
         </p:txBody>
@@ -9300,26 +9237,58 @@
               </a:rPr>
               <a:t>Démonstration</a:t>
             </a:r>
-            <a:endParaRPr lang="fr-FR" sz="1400" dirty="0">
-              <a:solidFill>
-                <a:schemeClr val="bg1">
-                  <a:lumMod val="50000"/>
-                </a:schemeClr>
-              </a:solidFill>
-            </a:endParaRPr>
           </a:p>
         </p:txBody>
       </p:sp>
       <p:pic>
         <p:nvPicPr>
-          <p:cNvPr id="8" name="Picture 2"/>
-          <p:cNvPicPr>
-            <a:picLocks noChangeAspect="1" noChangeArrowheads="1"/>
-          </p:cNvPicPr>
+          <p:cNvPr id="10" name="Image 9"/>
+          <p:cNvPicPr/>
+          <p:nvPr/>
+        </p:nvPicPr>
+        <p:blipFill rotWithShape="1">
+          <a:blip r:embed="rId3" cstate="print">
+            <a:extLst>
+              <a:ext uri="{28A0092B-C50C-407E-A947-70E740481C1C}">
+                <a14:useLocalDpi xmlns:a14="http://schemas.microsoft.com/office/drawing/2010/main" val="0"/>
+              </a:ext>
+            </a:extLst>
+          </a:blip>
+          <a:srcRect l="18383" t="5982" r="20520" b="6530"/>
+          <a:stretch/>
+        </p:blipFill>
+        <p:spPr bwMode="auto">
+          <a:xfrm>
+            <a:off x="8210836" y="4539125"/>
+            <a:ext cx="899592" cy="560602"/>
+          </a:xfrm>
+          <a:prstGeom prst="rect">
+            <a:avLst/>
+          </a:prstGeom>
+          <a:ln>
+            <a:noFill/>
+          </a:ln>
+          <a:extLst>
+            <a:ext uri="{53640926-AAD7-44D8-BBD7-CCE9431645EC}">
+              <a14:shadowObscured xmlns:a14="http://schemas.microsoft.com/office/drawing/2010/main"/>
+            </a:ext>
+          </a:extLst>
+        </p:spPr>
+      </p:pic>
+      <p:pic>
+        <p:nvPicPr>
+          <p:cNvPr id="12" name="Image 11" descr="https://raw.githubusercontent.com/zeknoun/yourjob1/master/MCD.png"/>
+          <p:cNvPicPr/>
           <p:nvPr/>
         </p:nvPicPr>
         <p:blipFill>
-          <a:blip r:embed="rId4" cstate="print"/>
+          <a:blip r:embed="rId4" cstate="print">
+            <a:extLst>
+              <a:ext uri="{28A0092B-C50C-407E-A947-70E740481C1C}">
+                <a14:useLocalDpi xmlns:a14="http://schemas.microsoft.com/office/drawing/2010/main" val="0"/>
+              </a:ext>
+            </a:extLst>
+          </a:blip>
           <a:srcRect/>
           <a:stretch>
             <a:fillRect/>
@@ -9327,24 +9296,22 @@
         </p:blipFill>
         <p:spPr bwMode="auto">
           <a:xfrm>
-            <a:off x="2699792" y="2067694"/>
-            <a:ext cx="3888432" cy="2311153"/>
+            <a:off x="1475657" y="1707654"/>
+            <a:ext cx="5904655" cy="3096344"/>
           </a:xfrm>
           <a:prstGeom prst="rect">
             <a:avLst/>
           </a:prstGeom>
+          <a:noFill/>
           <a:ln>
             <a:noFill/>
           </a:ln>
-          <a:effectLst>
-            <a:softEdge rad="112500"/>
-          </a:effectLst>
         </p:spPr>
       </p:pic>
     </p:spTree>
     <p:extLst>
       <p:ext uri="{BB962C8B-B14F-4D97-AF65-F5344CB8AC3E}">
-        <p14:creationId xmlns:p14="http://schemas.microsoft.com/office/powerpoint/2010/main" val="2041621387"/>
+        <p14:creationId xmlns:p14="http://schemas.microsoft.com/office/powerpoint/2010/main" val="472442115"/>
       </p:ext>
     </p:extLst>
   </p:cSld>
@@ -9378,6 +9345,41 @@
           <a:chExt cx="0" cy="0"/>
         </a:xfrm>
       </p:grpSpPr>
+      <p:pic>
+        <p:nvPicPr>
+          <p:cNvPr id="10" name="Image 9"/>
+          <p:cNvPicPr/>
+          <p:nvPr/>
+        </p:nvPicPr>
+        <p:blipFill rotWithShape="1">
+          <a:blip r:embed="rId3" cstate="print">
+            <a:extLst>
+              <a:ext uri="{28A0092B-C50C-407E-A947-70E740481C1C}">
+                <a14:useLocalDpi xmlns:a14="http://schemas.microsoft.com/office/drawing/2010/main" val="0"/>
+              </a:ext>
+            </a:extLst>
+          </a:blip>
+          <a:srcRect l="18383" t="5982" r="20520" b="6530"/>
+          <a:stretch/>
+        </p:blipFill>
+        <p:spPr bwMode="auto">
+          <a:xfrm>
+            <a:off x="8212799" y="4582898"/>
+            <a:ext cx="899592" cy="560602"/>
+          </a:xfrm>
+          <a:prstGeom prst="rect">
+            <a:avLst/>
+          </a:prstGeom>
+          <a:ln>
+            <a:noFill/>
+          </a:ln>
+          <a:extLst>
+            <a:ext uri="{53640926-AAD7-44D8-BBD7-CCE9431645EC}">
+              <a14:shadowObscured xmlns:a14="http://schemas.microsoft.com/office/drawing/2010/main"/>
+            </a:ext>
+          </a:extLst>
+        </p:spPr>
+      </p:pic>
       <p:sp>
         <p:nvSpPr>
           <p:cNvPr id="5" name="Pentagone 4"/>
@@ -9421,7 +9423,7 @@
           <a:p>
             <a:pPr algn="ctr"/>
             <a:r>
-              <a:rPr lang="fr-FR" sz="1400" dirty="0">
+              <a:rPr lang="fr-FR" sz="1400" dirty="0" smtClean="0">
                 <a:solidFill>
                   <a:schemeClr val="bg1">
                     <a:lumMod val="50000"/>
@@ -9521,7 +9523,7 @@
             </a:pPr>
             <a:r>
               <a:rPr lang="fr-FR" sz="2000" dirty="0" smtClean="0"/>
-              <a:t>Architecture du site</a:t>
+              <a:t>Technologies utilisées</a:t>
             </a:r>
           </a:p>
         </p:txBody>
@@ -9578,61 +9580,28 @@
               </a:rPr>
               <a:t>Démonstration</a:t>
             </a:r>
-            <a:endParaRPr lang="fr-FR" sz="1400" dirty="0">
-              <a:solidFill>
-                <a:schemeClr val="bg1">
-                  <a:lumMod val="50000"/>
-                </a:schemeClr>
-              </a:solidFill>
-            </a:endParaRPr>
           </a:p>
         </p:txBody>
       </p:sp>
       <p:pic>
         <p:nvPicPr>
-          <p:cNvPr id="9" name="Image 8" descr="schema(vfinal).png"/>
+          <p:cNvPr id="8" name="Picture 2"/>
           <p:cNvPicPr>
-            <a:picLocks noChangeAspect="1"/>
+            <a:picLocks noChangeAspect="1" noChangeArrowheads="1"/>
           </p:cNvPicPr>
           <p:nvPr/>
         </p:nvPicPr>
         <p:blipFill>
-          <a:blip r:embed="rId3" cstate="print"/>
+          <a:blip r:embed="rId4" cstate="print"/>
+          <a:srcRect/>
           <a:stretch>
             <a:fillRect/>
           </a:stretch>
         </p:blipFill>
-        <p:spPr>
-          <a:xfrm>
-            <a:off x="379712" y="1633273"/>
-            <a:ext cx="8280920" cy="3032897"/>
-          </a:xfrm>
-          <a:prstGeom prst="rect">
-            <a:avLst/>
-          </a:prstGeom>
-        </p:spPr>
-      </p:pic>
-      <p:pic>
-        <p:nvPicPr>
-          <p:cNvPr id="10" name="Image 9"/>
-          <p:cNvPicPr/>
-          <p:nvPr/>
-        </p:nvPicPr>
-        <p:blipFill rotWithShape="1">
-          <a:blip r:embed="rId4" cstate="print">
-            <a:extLst>
-              <a:ext uri="{28A0092B-C50C-407E-A947-70E740481C1C}">
-                <a14:useLocalDpi xmlns:a14="http://schemas.microsoft.com/office/drawing/2010/main" val="0"/>
-              </a:ext>
-            </a:extLst>
-          </a:blip>
-          <a:srcRect l="18383" t="5982" r="20520" b="6530"/>
-          <a:stretch/>
-        </p:blipFill>
         <p:spPr bwMode="auto">
           <a:xfrm>
-            <a:off x="8210836" y="4539125"/>
-            <a:ext cx="899592" cy="560602"/>
+            <a:off x="2699792" y="2067694"/>
+            <a:ext cx="3888432" cy="2311153"/>
           </a:xfrm>
           <a:prstGeom prst="rect">
             <a:avLst/>
@@ -9640,57 +9609,15 @@
           <a:ln>
             <a:noFill/>
           </a:ln>
-          <a:extLst>
-            <a:ext uri="{53640926-AAD7-44D8-BBD7-CCE9431645EC}">
-              <a14:shadowObscured xmlns:a14="http://schemas.microsoft.com/office/drawing/2010/main"/>
-            </a:ext>
-          </a:extLst>
+          <a:effectLst>
+            <a:softEdge rad="112500"/>
+          </a:effectLst>
         </p:spPr>
       </p:pic>
-      <p:sp>
-        <p:nvSpPr>
-          <p:cNvPr id="2" name="ZoneTexte 1"/>
-          <p:cNvSpPr txBox="1"/>
-          <p:nvPr/>
-        </p:nvSpPr>
-        <p:spPr>
-          <a:xfrm>
-            <a:off x="5508104" y="1621825"/>
-            <a:ext cx="771907" cy="192360"/>
-          </a:xfrm>
-          <a:prstGeom prst="rect">
-            <a:avLst/>
-          </a:prstGeom>
-          <a:solidFill>
-            <a:schemeClr val="bg1"/>
-          </a:solidFill>
-        </p:spPr>
-        <p:txBody>
-          <a:bodyPr wrap="square" rtlCol="0">
-            <a:spAutoFit/>
-          </a:bodyPr>
-          <a:lstStyle/>
-          <a:p>
-            <a:r>
-              <a:rPr lang="fr-FR" sz="650" dirty="0" smtClean="0">
-                <a:solidFill>
-                  <a:srgbClr val="0070C0"/>
-                </a:solidFill>
-              </a:rPr>
-              <a:t>Page d’accueil</a:t>
-            </a:r>
-            <a:endParaRPr lang="fr-FR" sz="650" dirty="0">
-              <a:solidFill>
-                <a:srgbClr val="0070C0"/>
-              </a:solidFill>
-            </a:endParaRPr>
-          </a:p>
-        </p:txBody>
-      </p:sp>
     </p:spTree>
     <p:extLst>
       <p:ext uri="{BB962C8B-B14F-4D97-AF65-F5344CB8AC3E}">
-        <p14:creationId xmlns:p14="http://schemas.microsoft.com/office/powerpoint/2010/main" val="2897457935"/>
+        <p14:creationId xmlns:p14="http://schemas.microsoft.com/office/powerpoint/2010/main" val="2041621387"/>
       </p:ext>
     </p:extLst>
   </p:cSld>

--- a/Presentation_projetV2.pptx
+++ b/Presentation_projetV2.pptx
@@ -5625,31 +5625,40 @@
       </p:sp>
       <p:pic>
         <p:nvPicPr>
-          <p:cNvPr id="9" name="Image 8" descr="schema(vfinal).png"/>
-          <p:cNvPicPr>
-            <a:picLocks noChangeAspect="1"/>
-          </p:cNvPicPr>
+          <p:cNvPr id="12" name="Image 11" descr="https://raw.githubusercontent.com/zeknoun/yourjob1/master/schema%20v5.png"/>
+          <p:cNvPicPr/>
           <p:nvPr/>
         </p:nvPicPr>
         <p:blipFill>
-          <a:blip r:embed="rId3" cstate="print"/>
+          <a:blip r:embed="rId3">
+            <a:extLst>
+              <a:ext uri="{28A0092B-C50C-407E-A947-70E740481C1C}">
+                <a14:useLocalDpi xmlns:a14="http://schemas.microsoft.com/office/drawing/2010/main" val="0"/>
+              </a:ext>
+            </a:extLst>
+          </a:blip>
+          <a:srcRect/>
           <a:stretch>
             <a:fillRect/>
           </a:stretch>
         </p:blipFill>
-        <p:spPr>
+        <p:spPr bwMode="auto">
           <a:xfrm>
             <a:off x="379712" y="1633273"/>
-            <a:ext cx="8280920" cy="3032897"/>
+            <a:ext cx="8424936" cy="3256868"/>
           </a:xfrm>
           <a:prstGeom prst="rect">
             <a:avLst/>
           </a:prstGeom>
+          <a:noFill/>
+          <a:ln>
+            <a:noFill/>
+          </a:ln>
         </p:spPr>
       </p:pic>
       <p:pic>
         <p:nvPicPr>
-          <p:cNvPr id="10" name="Image 9"/>
+          <p:cNvPr id="13" name="Image 12"/>
           <p:cNvPicPr/>
           <p:nvPr/>
         </p:nvPicPr>
@@ -5682,46 +5691,6 @@
           </a:extLst>
         </p:spPr>
       </p:pic>
-      <p:sp>
-        <p:nvSpPr>
-          <p:cNvPr id="2" name="ZoneTexte 1"/>
-          <p:cNvSpPr txBox="1"/>
-          <p:nvPr/>
-        </p:nvSpPr>
-        <p:spPr>
-          <a:xfrm>
-            <a:off x="5508104" y="1621825"/>
-            <a:ext cx="771907" cy="192360"/>
-          </a:xfrm>
-          <a:prstGeom prst="rect">
-            <a:avLst/>
-          </a:prstGeom>
-          <a:solidFill>
-            <a:schemeClr val="bg1"/>
-          </a:solidFill>
-        </p:spPr>
-        <p:txBody>
-          <a:bodyPr wrap="square" rtlCol="0">
-            <a:spAutoFit/>
-          </a:bodyPr>
-          <a:lstStyle/>
-          <a:p>
-            <a:r>
-              <a:rPr lang="fr-FR" sz="650" dirty="0" smtClean="0">
-                <a:solidFill>
-                  <a:srgbClr val="0070C0"/>
-                </a:solidFill>
-              </a:rPr>
-              <a:t>Page d’accueil</a:t>
-            </a:r>
-            <a:endParaRPr lang="fr-FR" sz="650" dirty="0">
-              <a:solidFill>
-                <a:srgbClr val="0070C0"/>
-              </a:solidFill>
-            </a:endParaRPr>
-          </a:p>
-        </p:txBody>
-      </p:sp>
     </p:spTree>
     <p:extLst>
       <p:ext uri="{BB962C8B-B14F-4D97-AF65-F5344CB8AC3E}">
@@ -7307,7 +7276,6 @@
               <a:rPr lang="fr-FR" dirty="0" smtClean="0"/>
               <a:t>Vérification des filières entrées</a:t>
             </a:r>
-            <a:endParaRPr lang="fr-FR" dirty="0" smtClean="0"/>
           </a:p>
           <a:p>
             <a:pPr marL="285750" indent="-285750">
